--- a/COVID_Presentation_0104.pptx
+++ b/COVID_Presentation_0104.pptx
@@ -213,7 +213,7 @@
           <a:p>
             <a:fld id="{7B036306-CDD8-504F-9A9C-0468E9B9EF1B}" type="datetimeFigureOut">
               <a:rPr lang="en-US" smtClean="0"/>
-              <a:t>1/4/21</a:t>
+              <a:t>1/5/21</a:t>
             </a:fld>
             <a:endParaRPr lang="en-US"/>
           </a:p>
@@ -1868,7 +1868,7 @@
             <a:fld id="{B61BEF0D-F0BB-DE4B-95CE-6DB70DBA9567}" type="datetimeFigureOut">
               <a:rPr lang="en-US" smtClean="0"/>
               <a:pPr/>
-              <a:t>1/4/21</a:t>
+              <a:t>1/5/21</a:t>
             </a:fld>
             <a:endParaRPr lang="en-US" dirty="0"/>
           </a:p>
@@ -2200,7 +2200,7 @@
             <a:fld id="{B61BEF0D-F0BB-DE4B-95CE-6DB70DBA9567}" type="datetimeFigureOut">
               <a:rPr lang="en-US" smtClean="0"/>
               <a:pPr/>
-              <a:t>1/4/21</a:t>
+              <a:t>1/5/21</a:t>
             </a:fld>
             <a:endParaRPr lang="en-US" dirty="0"/>
           </a:p>
@@ -2382,7 +2382,7 @@
             <a:fld id="{B61BEF0D-F0BB-DE4B-95CE-6DB70DBA9567}" type="datetimeFigureOut">
               <a:rPr lang="en-US" smtClean="0"/>
               <a:pPr/>
-              <a:t>1/4/21</a:t>
+              <a:t>1/5/21</a:t>
             </a:fld>
             <a:endParaRPr lang="en-US" dirty="0"/>
           </a:p>
@@ -2554,7 +2554,7 @@
             <a:fld id="{B61BEF0D-F0BB-DE4B-95CE-6DB70DBA9567}" type="datetimeFigureOut">
               <a:rPr lang="en-US" smtClean="0"/>
               <a:pPr/>
-              <a:t>1/4/21</a:t>
+              <a:t>1/5/21</a:t>
             </a:fld>
             <a:endParaRPr lang="en-US" dirty="0"/>
           </a:p>
@@ -2833,7 +2833,7 @@
             <a:fld id="{B61BEF0D-F0BB-DE4B-95CE-6DB70DBA9567}" type="datetimeFigureOut">
               <a:rPr lang="en-US" smtClean="0"/>
               <a:pPr/>
-              <a:t>1/4/21</a:t>
+              <a:t>1/5/21</a:t>
             </a:fld>
             <a:endParaRPr lang="en-US" dirty="0"/>
           </a:p>
@@ -3229,7 +3229,7 @@
             <a:fld id="{B61BEF0D-F0BB-DE4B-95CE-6DB70DBA9567}" type="datetimeFigureOut">
               <a:rPr lang="en-US" smtClean="0"/>
               <a:pPr/>
-              <a:t>1/4/21</a:t>
+              <a:t>1/5/21</a:t>
             </a:fld>
             <a:endParaRPr lang="en-US" dirty="0"/>
           </a:p>
@@ -3708,7 +3708,7 @@
             <a:fld id="{B61BEF0D-F0BB-DE4B-95CE-6DB70DBA9567}" type="datetimeFigureOut">
               <a:rPr lang="en-US" smtClean="0"/>
               <a:pPr/>
-              <a:t>1/4/21</a:t>
+              <a:t>1/5/21</a:t>
             </a:fld>
             <a:endParaRPr lang="en-US" dirty="0"/>
           </a:p>
@@ -3828,7 +3828,7 @@
             <a:fld id="{B61BEF0D-F0BB-DE4B-95CE-6DB70DBA9567}" type="datetimeFigureOut">
               <a:rPr lang="en-US" smtClean="0"/>
               <a:pPr/>
-              <a:t>1/4/21</a:t>
+              <a:t>1/5/21</a:t>
             </a:fld>
             <a:endParaRPr lang="en-US" dirty="0"/>
           </a:p>
@@ -3925,7 +3925,7 @@
             <a:fld id="{B61BEF0D-F0BB-DE4B-95CE-6DB70DBA9567}" type="datetimeFigureOut">
               <a:rPr lang="en-US" smtClean="0"/>
               <a:pPr/>
-              <a:t>1/4/21</a:t>
+              <a:t>1/5/21</a:t>
             </a:fld>
             <a:endParaRPr lang="en-US" dirty="0"/>
           </a:p>
@@ -4273,7 +4273,7 @@
             <a:fld id="{B61BEF0D-F0BB-DE4B-95CE-6DB70DBA9567}" type="datetimeFigureOut">
               <a:rPr lang="en-US" smtClean="0"/>
               <a:pPr/>
-              <a:t>1/4/21</a:t>
+              <a:t>1/5/21</a:t>
             </a:fld>
             <a:endParaRPr lang="en-US" dirty="0"/>
           </a:p>
@@ -4663,7 +4663,7 @@
             <a:fld id="{B61BEF0D-F0BB-DE4B-95CE-6DB70DBA9567}" type="datetimeFigureOut">
               <a:rPr lang="en-US" smtClean="0"/>
               <a:pPr/>
-              <a:t>1/4/21</a:t>
+              <a:t>1/5/21</a:t>
             </a:fld>
             <a:endParaRPr lang="en-US" dirty="0"/>
           </a:p>
@@ -4943,7 +4943,7 @@
             <a:fld id="{B61BEF0D-F0BB-DE4B-95CE-6DB70DBA9567}" type="datetimeFigureOut">
               <a:rPr lang="en-US" smtClean="0"/>
               <a:pPr/>
-              <a:t>1/4/21</a:t>
+              <a:t>1/5/21</a:t>
             </a:fld>
             <a:endParaRPr lang="en-US" dirty="0"/>
           </a:p>
@@ -6762,38 +6762,6 @@
       </p:sp>
       <p:sp>
         <p:nvSpPr>
-          <p:cNvPr id="2" name="Title 1">
-            <a:extLst>
-              <a:ext uri="{FF2B5EF4-FFF2-40B4-BE49-F238E27FC236}">
-                <a16:creationId xmlns:a16="http://schemas.microsoft.com/office/drawing/2014/main" id="{4363909F-1E59-F349-BD3E-D9023F10BC4A}"/>
-              </a:ext>
-            </a:extLst>
-          </p:cNvPr>
-          <p:cNvSpPr>
-            <a:spLocks noGrp="1"/>
-          </p:cNvSpPr>
-          <p:nvPr>
-            <p:ph type="title"/>
-          </p:nvPr>
-        </p:nvSpPr>
-        <p:spPr>
-          <a:xfrm>
-            <a:off x="3363864" y="685800"/>
-            <a:ext cx="7705164" cy="1485900"/>
-          </a:xfrm>
-        </p:spPr>
-        <p:txBody>
-          <a:bodyPr>
-            <a:normAutofit/>
-          </a:bodyPr>
-          <a:lstStyle/>
-          <a:p>
-            <a:endParaRPr lang="en-US"/>
-          </a:p>
-        </p:txBody>
-      </p:sp>
-      <p:sp>
-        <p:nvSpPr>
           <p:cNvPr id="10" name="Rectangle 9">
             <a:extLst>
               <a:ext uri="{FF2B5EF4-FFF2-40B4-BE49-F238E27FC236}">
@@ -6902,26 +6870,314 @@
           </a:fontRef>
         </p:style>
       </p:sp>
-      <p:sp>
-        <p:nvSpPr>
-          <p:cNvPr id="3" name="Content Placeholder 2">
+      <p:graphicFrame>
+        <p:nvGraphicFramePr>
+          <p:cNvPr id="4" name="Table 4">
             <a:extLst>
               <a:ext uri="{FF2B5EF4-FFF2-40B4-BE49-F238E27FC236}">
-                <a16:creationId xmlns:a16="http://schemas.microsoft.com/office/drawing/2014/main" id="{7893DD0F-88ED-5F40-9060-BD637CE54844}"/>
+                <a16:creationId xmlns:a16="http://schemas.microsoft.com/office/drawing/2014/main" id="{0458C4C4-D50C-7040-874F-AEFDE59A3919}"/>
               </a:ext>
             </a:extLst>
           </p:cNvPr>
-          <p:cNvSpPr>
-            <a:spLocks noGrp="1"/>
-          </p:cNvSpPr>
-          <p:nvPr>
-            <p:ph idx="1"/>
+          <p:cNvGraphicFramePr>
+            <a:graphicFrameLocks noGrp="1"/>
+          </p:cNvGraphicFramePr>
+          <p:nvPr>
+            <p:extLst>
+              <p:ext uri="{D42A27DB-BD31-4B8C-83A1-F6EECF244321}">
+                <p14:modId xmlns:p14="http://schemas.microsoft.com/office/powerpoint/2010/main" val="3365197204"/>
+              </p:ext>
+            </p:extLst>
+          </p:nvPr>
+        </p:nvGraphicFramePr>
+        <p:xfrm>
+          <a:off x="3363864" y="1698253"/>
+          <a:ext cx="8127999" cy="2661920"/>
+        </p:xfrm>
+        <a:graphic>
+          <a:graphicData uri="http://schemas.openxmlformats.org/drawingml/2006/table">
+            <a:tbl>
+              <a:tblPr firstRow="1" bandRow="1">
+                <a:tableStyleId>{5C22544A-7EE6-4342-B048-85BDC9FD1C3A}</a:tableStyleId>
+              </a:tblPr>
+              <a:tblGrid>
+                <a:gridCol w="2709333">
+                  <a:extLst>
+                    <a:ext uri="{9D8B030D-6E8A-4147-A177-3AD203B41FA5}">
+                      <a16:colId xmlns:a16="http://schemas.microsoft.com/office/drawing/2014/main" val="1015111240"/>
+                    </a:ext>
+                  </a:extLst>
+                </a:gridCol>
+                <a:gridCol w="2709333">
+                  <a:extLst>
+                    <a:ext uri="{9D8B030D-6E8A-4147-A177-3AD203B41FA5}">
+                      <a16:colId xmlns:a16="http://schemas.microsoft.com/office/drawing/2014/main" val="3593123484"/>
+                    </a:ext>
+                  </a:extLst>
+                </a:gridCol>
+                <a:gridCol w="2709333">
+                  <a:extLst>
+                    <a:ext uri="{9D8B030D-6E8A-4147-A177-3AD203B41FA5}">
+                      <a16:colId xmlns:a16="http://schemas.microsoft.com/office/drawing/2014/main" val="4133570526"/>
+                    </a:ext>
+                  </a:extLst>
+                </a:gridCol>
+              </a:tblGrid>
+              <a:tr h="370840">
+                <a:tc gridSpan="3">
+                  <a:txBody>
+                    <a:bodyPr/>
+                    <a:lstStyle/>
+                    <a:p>
+                      <a:pPr algn="ctr"/>
+                      <a:r>
+                        <a:rPr lang="en-US" dirty="0"/>
+                        <a:t>Test Results</a:t>
+                      </a:r>
+                    </a:p>
+                  </a:txBody>
+                  <a:tcPr anchor="ctr"/>
+                </a:tc>
+                <a:tc hMerge="1">
+                  <a:txBody>
+                    <a:bodyPr/>
+                    <a:lstStyle/>
+                    <a:p>
+                      <a:endParaRPr lang="en-US" dirty="0"/>
+                    </a:p>
+                  </a:txBody>
+                  <a:tcPr/>
+                </a:tc>
+                <a:tc hMerge="1">
+                  <a:txBody>
+                    <a:bodyPr/>
+                    <a:lstStyle/>
+                    <a:p>
+                      <a:endParaRPr lang="en-US" dirty="0"/>
+                    </a:p>
+                  </a:txBody>
+                  <a:tcPr/>
+                </a:tc>
+                <a:extLst>
+                  <a:ext uri="{0D108BD9-81ED-4DB2-BD59-A6C34878D82A}">
+                    <a16:rowId xmlns:a16="http://schemas.microsoft.com/office/drawing/2014/main" val="2394405061"/>
+                  </a:ext>
+                </a:extLst>
+              </a:tr>
+              <a:tr h="370840">
+                <a:tc>
+                  <a:txBody>
+                    <a:bodyPr/>
+                    <a:lstStyle/>
+                    <a:p>
+                      <a:r>
+                        <a:rPr lang="en-US" dirty="0"/>
+                        <a:t>Test</a:t>
+                      </a:r>
+                    </a:p>
+                  </a:txBody>
+                  <a:tcPr/>
+                </a:tc>
+                <a:tc>
+                  <a:txBody>
+                    <a:bodyPr/>
+                    <a:lstStyle/>
+                    <a:p>
+                      <a:r>
+                        <a:rPr lang="en-US" dirty="0"/>
+                        <a:t>Correlation</a:t>
+                      </a:r>
+                    </a:p>
+                  </a:txBody>
+                  <a:tcPr/>
+                </a:tc>
+                <a:tc>
+                  <a:txBody>
+                    <a:bodyPr/>
+                    <a:lstStyle/>
+                    <a:p>
+                      <a:r>
+                        <a:rPr lang="en-US" dirty="0"/>
+                        <a:t>P-Value</a:t>
+                      </a:r>
+                    </a:p>
+                  </a:txBody>
+                  <a:tcPr/>
+                </a:tc>
+                <a:extLst>
+                  <a:ext uri="{0D108BD9-81ED-4DB2-BD59-A6C34878D82A}">
+                    <a16:rowId xmlns:a16="http://schemas.microsoft.com/office/drawing/2014/main" val="2745200639"/>
+                  </a:ext>
+                </a:extLst>
+              </a:tr>
+              <a:tr h="370840">
+                <a:tc>
+                  <a:txBody>
+                    <a:bodyPr/>
+                    <a:lstStyle/>
+                    <a:p>
+                      <a:r>
+                        <a:rPr lang="en-US" dirty="0"/>
+                        <a:t>Population Density vs Positive Cases</a:t>
+                      </a:r>
+                    </a:p>
+                  </a:txBody>
+                  <a:tcPr/>
+                </a:tc>
+                <a:tc>
+                  <a:txBody>
+                    <a:bodyPr/>
+                    <a:lstStyle/>
+                    <a:p>
+                      <a:pPr algn="ctr"/>
+                      <a:r>
+                        <a:rPr lang="en-US" dirty="0"/>
+                        <a:t>0.16</a:t>
+                      </a:r>
+                    </a:p>
+                  </a:txBody>
+                  <a:tcPr anchor="ctr"/>
+                </a:tc>
+                <a:tc>
+                  <a:txBody>
+                    <a:bodyPr/>
+                    <a:lstStyle/>
+                    <a:p>
+                      <a:pPr algn="ctr"/>
+                      <a:r>
+                        <a:rPr lang="en-US" dirty="0"/>
+                        <a:t>0.273316</a:t>
+                      </a:r>
+                    </a:p>
+                  </a:txBody>
+                  <a:tcPr anchor="ctr"/>
+                </a:tc>
+                <a:extLst>
+                  <a:ext uri="{0D108BD9-81ED-4DB2-BD59-A6C34878D82A}">
+                    <a16:rowId xmlns:a16="http://schemas.microsoft.com/office/drawing/2014/main" val="2094264025"/>
+                  </a:ext>
+                </a:extLst>
+              </a:tr>
+              <a:tr h="370840">
+                <a:tc>
+                  <a:txBody>
+                    <a:bodyPr/>
+                    <a:lstStyle/>
+                    <a:p>
+                      <a:r>
+                        <a:rPr lang="en-US" dirty="0"/>
+                        <a:t>Median Household Income vs Positive Cases</a:t>
+                      </a:r>
+                    </a:p>
+                  </a:txBody>
+                  <a:tcPr/>
+                </a:tc>
+                <a:tc>
+                  <a:txBody>
+                    <a:bodyPr/>
+                    <a:lstStyle/>
+                    <a:p>
+                      <a:pPr algn="ctr"/>
+                      <a:r>
+                        <a:rPr lang="en-US" dirty="0"/>
+                        <a:t>0.04</a:t>
+                      </a:r>
+                    </a:p>
+                  </a:txBody>
+                  <a:tcPr anchor="ctr"/>
+                </a:tc>
+                <a:tc>
+                  <a:txBody>
+                    <a:bodyPr/>
+                    <a:lstStyle/>
+                    <a:p>
+                      <a:pPr algn="ctr"/>
+                      <a:r>
+                        <a:rPr lang="en-US" dirty="0"/>
+                        <a:t>0.786089</a:t>
+                      </a:r>
+                    </a:p>
+                  </a:txBody>
+                  <a:tcPr anchor="ctr"/>
+                </a:tc>
+                <a:extLst>
+                  <a:ext uri="{0D108BD9-81ED-4DB2-BD59-A6C34878D82A}">
+                    <a16:rowId xmlns:a16="http://schemas.microsoft.com/office/drawing/2014/main" val="2832414008"/>
+                  </a:ext>
+                </a:extLst>
+              </a:tr>
+              <a:tr h="370840">
+                <a:tc>
+                  <a:txBody>
+                    <a:bodyPr/>
+                    <a:lstStyle/>
+                    <a:p>
+                      <a:r>
+                        <a:rPr lang="en-US" dirty="0"/>
+                        <a:t>Median Age vs Positive Cases</a:t>
+                      </a:r>
+                    </a:p>
+                  </a:txBody>
+                  <a:tcPr/>
+                </a:tc>
+                <a:tc>
+                  <a:txBody>
+                    <a:bodyPr/>
+                    <a:lstStyle/>
+                    <a:p>
+                      <a:pPr algn="ctr"/>
+                      <a:r>
+                        <a:rPr lang="en-US" dirty="0"/>
+                        <a:t>-0.17</a:t>
+                      </a:r>
+                    </a:p>
+                  </a:txBody>
+                  <a:tcPr anchor="ctr"/>
+                </a:tc>
+                <a:tc>
+                  <a:txBody>
+                    <a:bodyPr/>
+                    <a:lstStyle/>
+                    <a:p>
+                      <a:pPr algn="ctr"/>
+                      <a:r>
+                        <a:rPr lang="en-US" dirty="0"/>
+                        <a:t>0.250596</a:t>
+                      </a:r>
+                    </a:p>
+                  </a:txBody>
+                  <a:tcPr anchor="ctr"/>
+                </a:tc>
+                <a:extLst>
+                  <a:ext uri="{0D108BD9-81ED-4DB2-BD59-A6C34878D82A}">
+                    <a16:rowId xmlns:a16="http://schemas.microsoft.com/office/drawing/2014/main" val="1597708346"/>
+                  </a:ext>
+                </a:extLst>
+              </a:tr>
+            </a:tbl>
+          </a:graphicData>
+        </a:graphic>
+      </p:graphicFrame>
+      <p:sp>
+        <p:nvSpPr>
+          <p:cNvPr id="13" name="Title 1">
+            <a:extLst>
+              <a:ext uri="{FF2B5EF4-FFF2-40B4-BE49-F238E27FC236}">
+                <a16:creationId xmlns:a16="http://schemas.microsoft.com/office/drawing/2014/main" id="{3E278CC2-19E6-6F41-B666-EE7D86BE4F98}"/>
+              </a:ext>
+            </a:extLst>
+          </p:cNvPr>
+          <p:cNvSpPr>
+            <a:spLocks noGrp="1"/>
+          </p:cNvSpPr>
+          <p:nvPr>
+            <p:ph type="title"/>
           </p:nvPr>
         </p:nvSpPr>
         <p:spPr>
           <a:xfrm>
-            <a:off x="3363864" y="2286000"/>
-            <a:ext cx="7705164" cy="3581400"/>
+            <a:off x="3363864" y="685800"/>
+            <a:ext cx="7705164" cy="1485900"/>
           </a:xfrm>
         </p:spPr>
         <p:txBody>
@@ -6932,64 +7188,43 @@
           <a:p>
             <a:r>
               <a:rPr lang="en-US" dirty="0"/>
-              <a:t>Which states had most/least number of infections?</a:t>
-            </a:r>
-          </a:p>
-          <a:p>
-            <a:pPr lvl="1"/>
+              <a:t>Conclusions</a:t>
+            </a:r>
+          </a:p>
+        </p:txBody>
+      </p:sp>
+      <p:sp>
+        <p:nvSpPr>
+          <p:cNvPr id="14" name="TextBox 13">
+            <a:extLst>
+              <a:ext uri="{FF2B5EF4-FFF2-40B4-BE49-F238E27FC236}">
+                <a16:creationId xmlns:a16="http://schemas.microsoft.com/office/drawing/2014/main" id="{19B3A361-8EAB-B44D-8979-FE88F0B9518C}"/>
+              </a:ext>
+            </a:extLst>
+          </p:cNvPr>
+          <p:cNvSpPr txBox="1"/>
+          <p:nvPr/>
+        </p:nvSpPr>
+        <p:spPr>
+          <a:xfrm>
+            <a:off x="3552497" y="4782207"/>
+            <a:ext cx="7516531" cy="369332"/>
+          </a:xfrm>
+          <a:prstGeom prst="rect">
+            <a:avLst/>
+          </a:prstGeom>
+          <a:noFill/>
+        </p:spPr>
+        <p:txBody>
+          <a:bodyPr wrap="square" rtlCol="0">
+            <a:spAutoFit/>
+          </a:bodyPr>
+          <a:lstStyle/>
+          <a:p>
             <a:r>
               <a:rPr lang="en-US" dirty="0"/>
-              <a:t>How do they rank in terms of… </a:t>
-            </a:r>
-          </a:p>
-          <a:p>
-            <a:pPr lvl="2"/>
-            <a:r>
-              <a:rPr lang="en-US" dirty="0"/>
-              <a:t>Population density</a:t>
-            </a:r>
-          </a:p>
-          <a:p>
-            <a:pPr lvl="2"/>
-            <a:r>
-              <a:rPr lang="en-US" dirty="0"/>
-              <a:t>Median income </a:t>
-            </a:r>
-          </a:p>
-          <a:p>
-            <a:pPr lvl="2"/>
-            <a:r>
-              <a:rPr lang="en-US" dirty="0"/>
-              <a:t>Median age</a:t>
-            </a:r>
-          </a:p>
-          <a:p>
-            <a:pPr lvl="2"/>
-            <a:r>
-              <a:rPr lang="en-US" dirty="0"/>
-              <a:t>Sort by </a:t>
-            </a:r>
-            <a:r>
-              <a:rPr lang="en-US" dirty="0" err="1"/>
-              <a:t>final_df</a:t>
-            </a:r>
-            <a:endParaRPr lang="en-US" dirty="0"/>
-          </a:p>
-          <a:p>
-            <a:pPr lvl="2"/>
-            <a:r>
-              <a:rPr lang="en-US" dirty="0"/>
-              <a:t>Line Chart positive, median </a:t>
-            </a:r>
-            <a:r>
-              <a:rPr lang="en-US"/>
-              <a:t>household income</a:t>
-            </a:r>
-            <a:endParaRPr lang="en-US" dirty="0"/>
-          </a:p>
-          <a:p>
-            <a:pPr lvl="2"/>
-            <a:endParaRPr lang="en-US" dirty="0"/>
+              <a:t>Why would this be the case…</a:t>
+            </a:r>
           </a:p>
         </p:txBody>
       </p:sp>
@@ -7254,41 +7489,95 @@
         </p:nvSpPr>
         <p:spPr>
           <a:xfrm>
-            <a:off x="3363864" y="2286000"/>
+            <a:off x="3363864" y="1823545"/>
             <a:ext cx="7705164" cy="3581400"/>
           </a:xfrm>
         </p:spPr>
         <p:txBody>
           <a:bodyPr>
-            <a:normAutofit/>
+            <a:normAutofit lnSpcReduction="10000"/>
           </a:bodyPr>
           <a:lstStyle/>
           <a:p>
             <a:r>
               <a:rPr lang="en-US" dirty="0"/>
-              <a:t>What is the correlation between COVID and… </a:t>
+              <a:t>What conclusions can be drawn from the test results?</a:t>
             </a:r>
           </a:p>
           <a:p>
             <a:pPr lvl="1"/>
             <a:r>
               <a:rPr lang="en-US" dirty="0"/>
-              <a:t>Population Density? </a:t>
+              <a:t>Very small correlations</a:t>
             </a:r>
           </a:p>
           <a:p>
             <a:pPr lvl="1"/>
             <a:r>
               <a:rPr lang="en-US" dirty="0"/>
-              <a:t>Median Income? </a:t>
+              <a:t>Statewide metrics may not capture the whole story</a:t>
             </a:r>
           </a:p>
           <a:p>
             <a:pPr lvl="1"/>
             <a:r>
               <a:rPr lang="en-US" dirty="0"/>
-              <a:t>Median Age? </a:t>
-            </a:r>
+              <a:t>The more local, the better</a:t>
+            </a:r>
+          </a:p>
+          <a:p>
+            <a:pPr lvl="1"/>
+            <a:r>
+              <a:rPr lang="en-US" dirty="0"/>
+              <a:t>Many other factors come into play</a:t>
+            </a:r>
+          </a:p>
+          <a:p>
+            <a:pPr lvl="2"/>
+            <a:r>
+              <a:rPr lang="en-US" dirty="0"/>
+              <a:t>State restrictions and regulations</a:t>
+            </a:r>
+          </a:p>
+          <a:p>
+            <a:pPr lvl="1"/>
+            <a:endParaRPr lang="en-US" dirty="0"/>
+          </a:p>
+          <a:p>
+            <a:r>
+              <a:rPr lang="en-US" dirty="0"/>
+              <a:t>How could our study have been improved?</a:t>
+            </a:r>
+          </a:p>
+          <a:p>
+            <a:pPr lvl="1"/>
+            <a:r>
+              <a:rPr lang="en-US" dirty="0"/>
+              <a:t>Focusing on a smaller area, state or even city</a:t>
+            </a:r>
+          </a:p>
+          <a:p>
+            <a:pPr lvl="1"/>
+            <a:r>
+              <a:rPr lang="en-US" dirty="0"/>
+              <a:t>Seeing how the data evolves over time</a:t>
+            </a:r>
+          </a:p>
+          <a:p>
+            <a:pPr marL="530352" lvl="1" indent="0">
+              <a:buNone/>
+            </a:pPr>
+            <a:endParaRPr lang="en-US" dirty="0"/>
+          </a:p>
+          <a:p>
+            <a:pPr marL="530352" lvl="1" indent="0">
+              <a:buNone/>
+            </a:pPr>
+            <a:endParaRPr lang="en-US" dirty="0"/>
+          </a:p>
+          <a:p>
+            <a:pPr lvl="1"/>
+            <a:endParaRPr lang="en-US" dirty="0"/>
           </a:p>
         </p:txBody>
       </p:sp>

--- a/COVID_Presentation_0104.pptx
+++ b/COVID_Presentation_0104.pptx
@@ -11,7 +11,7 @@
     <p:sldId id="256" r:id="rId2"/>
     <p:sldId id="258" r:id="rId3"/>
     <p:sldId id="257" r:id="rId4"/>
-    <p:sldId id="259" r:id="rId5"/>
+    <p:sldId id="273" r:id="rId5"/>
     <p:sldId id="260" r:id="rId6"/>
     <p:sldId id="272" r:id="rId7"/>
     <p:sldId id="266" r:id="rId8"/>
@@ -1253,7 +1253,7 @@
     </p:spTree>
     <p:extLst>
       <p:ext uri="{BB962C8B-B14F-4D97-AF65-F5344CB8AC3E}">
-        <p14:creationId xmlns:p14="http://schemas.microsoft.com/office/powerpoint/2010/main" val="2359132269"/>
+        <p14:creationId xmlns:p14="http://schemas.microsoft.com/office/powerpoint/2010/main" val="2818532838"/>
       </p:ext>
     </p:extLst>
   </p:cSld>
@@ -9059,14 +9059,6 @@
 <file path=ppt/slides/slide4.xml><?xml version="1.0" encoding="utf-8"?>
 <p:sld xmlns:a="http://schemas.openxmlformats.org/drawingml/2006/main" xmlns:r="http://schemas.openxmlformats.org/officeDocument/2006/relationships" xmlns:p="http://schemas.openxmlformats.org/presentationml/2006/main">
   <p:cSld>
-    <p:bg>
-      <p:bgPr>
-        <a:solidFill>
-          <a:schemeClr val="bg2"/>
-        </a:solidFill>
-        <a:effectLst/>
-      </p:bgPr>
-    </p:bg>
     <p:spTree>
       <p:nvGrpSpPr>
         <p:cNvPr id="1" name=""/>
@@ -9081,66 +9073,6 @@
           <a:chExt cx="0" cy="0"/>
         </a:xfrm>
       </p:grpSpPr>
-      <p:sp useBgFill="1">
-        <p:nvSpPr>
-          <p:cNvPr id="19" name="Rectangle 18">
-            <a:extLst>
-              <a:ext uri="{FF2B5EF4-FFF2-40B4-BE49-F238E27FC236}">
-                <a16:creationId xmlns:a16="http://schemas.microsoft.com/office/drawing/2014/main" id="{32812C54-7AEF-4ABB-826E-221F51CB0F30}"/>
-              </a:ext>
-              <a:ext uri="{C183D7F6-B498-43B3-948B-1728B52AA6E4}">
-                <adec:decorative xmlns:adec="http://schemas.microsoft.com/office/drawing/2017/decorative" val="1"/>
-              </a:ext>
-            </a:extLst>
-          </p:cNvPr>
-          <p:cNvSpPr>
-            <a:spLocks noGrp="1" noRot="1" noChangeAspect="1" noMove="1" noResize="1" noEditPoints="1" noAdjustHandles="1" noChangeArrowheads="1" noChangeShapeType="1" noTextEdit="1"/>
-          </p:cNvSpPr>
-          <p:nvPr>
-            <p:extLst>
-              <p:ext uri="{386F3935-93C4-4BCD-93E2-E3B085C9AB24}">
-                <p16:designElem xmlns:p16="http://schemas.microsoft.com/office/powerpoint/2015/main" val="1"/>
-              </p:ext>
-            </p:extLst>
-          </p:nvPr>
-        </p:nvSpPr>
-        <p:spPr>
-          <a:xfrm>
-            <a:off x="0" y="0"/>
-            <a:ext cx="12192000" cy="6858000"/>
-          </a:xfrm>
-          <a:prstGeom prst="rect">
-            <a:avLst/>
-          </a:prstGeom>
-          <a:ln>
-            <a:noFill/>
-          </a:ln>
-        </p:spPr>
-        <p:style>
-          <a:lnRef idx="2">
-            <a:schemeClr val="accent1">
-              <a:shade val="50000"/>
-            </a:schemeClr>
-          </a:lnRef>
-          <a:fillRef idx="1">
-            <a:schemeClr val="accent1"/>
-          </a:fillRef>
-          <a:effectRef idx="0">
-            <a:schemeClr val="accent1"/>
-          </a:effectRef>
-          <a:fontRef idx="minor">
-            <a:schemeClr val="lt1"/>
-          </a:fontRef>
-        </p:style>
-        <p:txBody>
-          <a:bodyPr rtlCol="0" anchor="ctr"/>
-          <a:lstStyle/>
-          <a:p>
-            <a:pPr algn="ctr"/>
-            <a:endParaRPr lang="en-US"/>
-          </a:p>
-        </p:txBody>
-      </p:sp>
       <p:sp>
         <p:nvSpPr>
           <p:cNvPr id="2" name="Title 1">
@@ -9159,8 +9091,8 @@
         </p:nvSpPr>
         <p:spPr>
           <a:xfrm>
-            <a:off x="3363864" y="685800"/>
-            <a:ext cx="7705164" cy="1485900"/>
+            <a:off x="3044410" y="206592"/>
+            <a:ext cx="7705164" cy="706582"/>
           </a:xfrm>
         </p:spPr>
         <p:txBody>
@@ -9175,116 +9107,6 @@
             </a:r>
           </a:p>
         </p:txBody>
-      </p:sp>
-      <p:sp>
-        <p:nvSpPr>
-          <p:cNvPr id="21" name="Rectangle 20">
-            <a:extLst>
-              <a:ext uri="{FF2B5EF4-FFF2-40B4-BE49-F238E27FC236}">
-                <a16:creationId xmlns:a16="http://schemas.microsoft.com/office/drawing/2014/main" id="{891F40E4-8A76-44CF-91EC-907367352626}"/>
-              </a:ext>
-              <a:ext uri="{C183D7F6-B498-43B3-948B-1728B52AA6E4}">
-                <adec:decorative xmlns:adec="http://schemas.microsoft.com/office/drawing/2017/decorative" val="1"/>
-              </a:ext>
-            </a:extLst>
-          </p:cNvPr>
-          <p:cNvSpPr>
-            <a:spLocks noGrp="1" noRot="1" noChangeAspect="1" noMove="1" noResize="1" noEditPoints="1" noAdjustHandles="1" noChangeArrowheads="1" noChangeShapeType="1" noTextEdit="1"/>
-          </p:cNvSpPr>
-          <p:nvPr>
-            <p:extLst>
-              <p:ext uri="{386F3935-93C4-4BCD-93E2-E3B085C9AB24}">
-                <p16:designElem xmlns:p16="http://schemas.microsoft.com/office/powerpoint/2015/main" val="1"/>
-              </p:ext>
-            </p:extLst>
-          </p:nvPr>
-        </p:nvSpPr>
-        <p:spPr>
-          <a:xfrm>
-            <a:off x="1" y="376"/>
-            <a:ext cx="3044410" cy="6857624"/>
-          </a:xfrm>
-          <a:prstGeom prst="rect">
-            <a:avLst/>
-          </a:prstGeom>
-          <a:solidFill>
-            <a:schemeClr val="accent1"/>
-          </a:solidFill>
-          <a:ln>
-            <a:noFill/>
-          </a:ln>
-        </p:spPr>
-        <p:style>
-          <a:lnRef idx="2">
-            <a:schemeClr val="accent1">
-              <a:shade val="50000"/>
-            </a:schemeClr>
-          </a:lnRef>
-          <a:fillRef idx="1">
-            <a:schemeClr val="accent1"/>
-          </a:fillRef>
-          <a:effectRef idx="0">
-            <a:schemeClr val="accent1"/>
-          </a:effectRef>
-          <a:fontRef idx="minor">
-            <a:schemeClr val="lt1"/>
-          </a:fontRef>
-        </p:style>
-      </p:sp>
-      <p:sp>
-        <p:nvSpPr>
-          <p:cNvPr id="23" name="Rectangle 22">
-            <a:extLst>
-              <a:ext uri="{FF2B5EF4-FFF2-40B4-BE49-F238E27FC236}">
-                <a16:creationId xmlns:a16="http://schemas.microsoft.com/office/drawing/2014/main" id="{72171013-D973-4187-9CF2-EE098EEF8194}"/>
-              </a:ext>
-              <a:ext uri="{C183D7F6-B498-43B3-948B-1728B52AA6E4}">
-                <adec:decorative xmlns:adec="http://schemas.microsoft.com/office/drawing/2017/decorative" val="1"/>
-              </a:ext>
-            </a:extLst>
-          </p:cNvPr>
-          <p:cNvSpPr>
-            <a:spLocks noGrp="1" noRot="1" noChangeAspect="1" noMove="1" noResize="1" noEditPoints="1" noAdjustHandles="1" noChangeArrowheads="1" noChangeShapeType="1" noTextEdit="1"/>
-          </p:cNvSpPr>
-          <p:nvPr>
-            <p:extLst>
-              <p:ext uri="{386F3935-93C4-4BCD-93E2-E3B085C9AB24}">
-                <p16:designElem xmlns:p16="http://schemas.microsoft.com/office/powerpoint/2015/main" val="1"/>
-              </p:ext>
-            </p:extLst>
-          </p:nvPr>
-        </p:nvSpPr>
-        <p:spPr>
-          <a:xfrm>
-            <a:off x="2815810" y="376"/>
-            <a:ext cx="228600" cy="6858000"/>
-          </a:xfrm>
-          <a:prstGeom prst="rect">
-            <a:avLst/>
-          </a:prstGeom>
-          <a:solidFill>
-            <a:schemeClr val="tx2"/>
-          </a:solidFill>
-          <a:ln>
-            <a:noFill/>
-          </a:ln>
-        </p:spPr>
-        <p:style>
-          <a:lnRef idx="2">
-            <a:schemeClr val="accent1">
-              <a:shade val="50000"/>
-            </a:schemeClr>
-          </a:lnRef>
-          <a:fillRef idx="1">
-            <a:schemeClr val="accent1"/>
-          </a:fillRef>
-          <a:effectRef idx="0">
-            <a:schemeClr val="accent1"/>
-          </a:effectRef>
-          <a:fontRef idx="minor">
-            <a:schemeClr val="lt1"/>
-          </a:fontRef>
-        </p:style>
       </p:sp>
       <p:sp>
         <p:nvSpPr>
@@ -9304,8 +9126,8 @@
         </p:nvSpPr>
         <p:spPr>
           <a:xfrm>
-            <a:off x="3363864" y="2286000"/>
-            <a:ext cx="7705164" cy="3581400"/>
+            <a:off x="3362715" y="4209396"/>
+            <a:ext cx="8510979" cy="2565477"/>
           </a:xfrm>
         </p:spPr>
         <p:txBody>
@@ -9316,60 +9138,282 @@
           <a:p>
             <a:r>
               <a:rPr lang="en-US" dirty="0"/>
-              <a:t>Sources: </a:t>
+              <a:t>Limitations &amp; Considerations: </a:t>
             </a:r>
           </a:p>
           <a:p>
             <a:pPr lvl="1"/>
             <a:r>
               <a:rPr lang="en-US" dirty="0"/>
-              <a:t>The COVID Tracking Project: data pulled on 12/18/2020</a:t>
+              <a:t>Analysis only includes data as of 12/18/2020  </a:t>
             </a:r>
           </a:p>
           <a:p>
             <a:pPr lvl="1"/>
             <a:r>
               <a:rPr lang="en-US" dirty="0"/>
-              <a:t>US Census API </a:t>
+              <a:t>Any corrections/additions to the data after 12/18/2020 are not included </a:t>
             </a:r>
           </a:p>
           <a:p>
             <a:pPr lvl="1"/>
             <a:r>
               <a:rPr lang="en-US" dirty="0"/>
-              <a:t>Google Maps API</a:t>
-            </a:r>
-          </a:p>
-          <a:p>
+              <a:t>Positive/negative stats consider unique individuals only, while total test results includes multiple tests per individual</a:t>
+            </a:r>
+          </a:p>
+          <a:p>
+            <a:pPr lvl="1"/>
             <a:r>
               <a:rPr lang="en-US" dirty="0"/>
-              <a:t>Limitations: </a:t>
-            </a:r>
-          </a:p>
-          <a:p>
-            <a:pPr lvl="1"/>
-            <a:r>
-              <a:rPr lang="en-US" dirty="0"/>
-              <a:t>Analysis only includes data through 12/18/2020  </a:t>
-            </a:r>
-          </a:p>
-          <a:p>
-            <a:pPr lvl="1"/>
-            <a:r>
-              <a:rPr lang="en-US" dirty="0"/>
-              <a:t>Any corrections/additions to the data after 12/18/2020 would not be accounted for</a:t>
+              <a:t>Census data is based on the 2019 Community Survey</a:t>
             </a:r>
           </a:p>
           <a:p>
             <a:pPr lvl="1"/>
             <a:endParaRPr lang="en-US" dirty="0"/>
           </a:p>
-        </p:txBody>
-      </p:sp>
+          <a:p>
+            <a:pPr lvl="1"/>
+            <a:endParaRPr lang="en-US" dirty="0"/>
+          </a:p>
+        </p:txBody>
+      </p:sp>
+      <p:pic>
+        <p:nvPicPr>
+          <p:cNvPr id="1026" name="Picture 2" descr="PYTHON FOR ABSOLUTE BEGINNERS - Python Lovers | Python programming, Python  logo, Programming tutorial">
+            <a:extLst>
+              <a:ext uri="{FF2B5EF4-FFF2-40B4-BE49-F238E27FC236}">
+                <a16:creationId xmlns:a16="http://schemas.microsoft.com/office/drawing/2014/main" id="{47108480-0B41-E642-ABFA-98D338B3C2FC}"/>
+              </a:ext>
+            </a:extLst>
+          </p:cNvPr>
+          <p:cNvPicPr>
+            <a:picLocks noChangeAspect="1" noChangeArrowheads="1"/>
+          </p:cNvPicPr>
+          <p:nvPr/>
+        </p:nvPicPr>
+        <p:blipFill rotWithShape="1">
+          <a:blip r:embed="rId3">
+            <a:extLst>
+              <a:ext uri="{28A0092B-C50C-407E-A947-70E740481C1C}">
+                <a14:useLocalDpi xmlns:a14="http://schemas.microsoft.com/office/drawing/2010/main" val="0"/>
+              </a:ext>
+            </a:extLst>
+          </a:blip>
+          <a:srcRect l="2998" t="6815" r="4253" b="7913"/>
+          <a:stretch/>
+        </p:blipFill>
+        <p:spPr bwMode="auto">
+          <a:xfrm>
+            <a:off x="7948134" y="1147568"/>
+            <a:ext cx="2600438" cy="1036951"/>
+          </a:xfrm>
+          <a:prstGeom prst="rect">
+            <a:avLst/>
+          </a:prstGeom>
+          <a:noFill/>
+          <a:extLst>
+            <a:ext uri="{909E8E84-426E-40DD-AFC4-6F175D3DCCD1}">
+              <a14:hiddenFill xmlns:a14="http://schemas.microsoft.com/office/drawing/2010/main">
+                <a:solidFill>
+                  <a:srgbClr val="FFFFFF"/>
+                </a:solidFill>
+              </a14:hiddenFill>
+            </a:ext>
+          </a:extLst>
+        </p:spPr>
+      </p:pic>
+      <p:pic>
+        <p:nvPicPr>
+          <p:cNvPr id="1028" name="Picture 4" descr="The COVID Tracking Project - COVID-19 Communication Network">
+            <a:extLst>
+              <a:ext uri="{FF2B5EF4-FFF2-40B4-BE49-F238E27FC236}">
+                <a16:creationId xmlns:a16="http://schemas.microsoft.com/office/drawing/2014/main" id="{24967FD1-3A9E-E140-B080-E47FF431A6BB}"/>
+              </a:ext>
+            </a:extLst>
+          </p:cNvPr>
+          <p:cNvPicPr>
+            <a:picLocks noChangeAspect="1" noChangeArrowheads="1"/>
+          </p:cNvPicPr>
+          <p:nvPr/>
+        </p:nvPicPr>
+        <p:blipFill>
+          <a:blip r:embed="rId4">
+            <a:extLst>
+              <a:ext uri="{28A0092B-C50C-407E-A947-70E740481C1C}">
+                <a14:useLocalDpi xmlns:a14="http://schemas.microsoft.com/office/drawing/2010/main" val="0"/>
+              </a:ext>
+            </a:extLst>
+          </a:blip>
+          <a:srcRect/>
+          <a:stretch>
+            <a:fillRect/>
+          </a:stretch>
+        </p:blipFill>
+        <p:spPr bwMode="auto">
+          <a:xfrm>
+            <a:off x="8736571" y="2288324"/>
+            <a:ext cx="2767079" cy="1298510"/>
+          </a:xfrm>
+          <a:prstGeom prst="rect">
+            <a:avLst/>
+          </a:prstGeom>
+          <a:noFill/>
+          <a:extLst>
+            <a:ext uri="{909E8E84-426E-40DD-AFC4-6F175D3DCCD1}">
+              <a14:hiddenFill xmlns:a14="http://schemas.microsoft.com/office/drawing/2010/main">
+                <a:solidFill>
+                  <a:srgbClr val="FFFFFF"/>
+                </a:solidFill>
+              </a14:hiddenFill>
+            </a:ext>
+          </a:extLst>
+        </p:spPr>
+      </p:pic>
+      <p:pic>
+        <p:nvPicPr>
+          <p:cNvPr id="1030" name="Picture 6" descr="pandas (software) - Wikipedia">
+            <a:extLst>
+              <a:ext uri="{FF2B5EF4-FFF2-40B4-BE49-F238E27FC236}">
+                <a16:creationId xmlns:a16="http://schemas.microsoft.com/office/drawing/2014/main" id="{3D7ADC01-8A11-8F4D-84EB-3415384C1EB6}"/>
+              </a:ext>
+            </a:extLst>
+          </p:cNvPr>
+          <p:cNvPicPr>
+            <a:picLocks noChangeAspect="1" noChangeArrowheads="1"/>
+          </p:cNvPicPr>
+          <p:nvPr/>
+        </p:nvPicPr>
+        <p:blipFill>
+          <a:blip r:embed="rId5">
+            <a:extLst>
+              <a:ext uri="{28A0092B-C50C-407E-A947-70E740481C1C}">
+                <a14:useLocalDpi xmlns:a14="http://schemas.microsoft.com/office/drawing/2010/main" val="0"/>
+              </a:ext>
+            </a:extLst>
+          </a:blip>
+          <a:srcRect/>
+          <a:stretch>
+            <a:fillRect/>
+          </a:stretch>
+        </p:blipFill>
+        <p:spPr bwMode="auto">
+          <a:xfrm>
+            <a:off x="4687838" y="1099455"/>
+            <a:ext cx="2803737" cy="1133176"/>
+          </a:xfrm>
+          <a:prstGeom prst="rect">
+            <a:avLst/>
+          </a:prstGeom>
+          <a:noFill/>
+          <a:extLst>
+            <a:ext uri="{909E8E84-426E-40DD-AFC4-6F175D3DCCD1}">
+              <a14:hiddenFill xmlns:a14="http://schemas.microsoft.com/office/drawing/2010/main">
+                <a:solidFill>
+                  <a:srgbClr val="FFFFFF"/>
+                </a:solidFill>
+              </a14:hiddenFill>
+            </a:ext>
+          </a:extLst>
+        </p:spPr>
+      </p:pic>
+      <p:pic>
+        <p:nvPicPr>
+          <p:cNvPr id="1032" name="Picture 8" descr="Google Maps Logo | evolution history and meaning, PNG">
+            <a:extLst>
+              <a:ext uri="{FF2B5EF4-FFF2-40B4-BE49-F238E27FC236}">
+                <a16:creationId xmlns:a16="http://schemas.microsoft.com/office/drawing/2014/main" id="{1B01D788-E9B5-0F44-9E29-BDCFA9C55942}"/>
+              </a:ext>
+            </a:extLst>
+          </p:cNvPr>
+          <p:cNvPicPr>
+            <a:picLocks noChangeAspect="1" noChangeArrowheads="1"/>
+          </p:cNvPicPr>
+          <p:nvPr/>
+        </p:nvPicPr>
+        <p:blipFill>
+          <a:blip r:embed="rId6">
+            <a:extLst>
+              <a:ext uri="{28A0092B-C50C-407E-A947-70E740481C1C}">
+                <a14:useLocalDpi xmlns:a14="http://schemas.microsoft.com/office/drawing/2010/main" val="0"/>
+              </a:ext>
+            </a:extLst>
+          </a:blip>
+          <a:srcRect/>
+          <a:stretch>
+            <a:fillRect/>
+          </a:stretch>
+        </p:blipFill>
+        <p:spPr bwMode="auto">
+          <a:xfrm>
+            <a:off x="6330632" y="2247145"/>
+            <a:ext cx="2454876" cy="1380868"/>
+          </a:xfrm>
+          <a:prstGeom prst="rect">
+            <a:avLst/>
+          </a:prstGeom>
+          <a:noFill/>
+          <a:extLst>
+            <a:ext uri="{909E8E84-426E-40DD-AFC4-6F175D3DCCD1}">
+              <a14:hiddenFill xmlns:a14="http://schemas.microsoft.com/office/drawing/2010/main">
+                <a:solidFill>
+                  <a:srgbClr val="FFFFFF"/>
+                </a:solidFill>
+              </a14:hiddenFill>
+            </a:ext>
+          </a:extLst>
+        </p:spPr>
+      </p:pic>
+      <p:pic>
+        <p:nvPicPr>
+          <p:cNvPr id="1034" name="Picture 10" descr="Census.gov">
+            <a:extLst>
+              <a:ext uri="{FF2B5EF4-FFF2-40B4-BE49-F238E27FC236}">
+                <a16:creationId xmlns:a16="http://schemas.microsoft.com/office/drawing/2014/main" id="{152300A3-8CA4-B443-B2EB-92D5A77C48E1}"/>
+              </a:ext>
+            </a:extLst>
+          </p:cNvPr>
+          <p:cNvPicPr>
+            <a:picLocks noChangeAspect="1" noChangeArrowheads="1"/>
+          </p:cNvPicPr>
+          <p:nvPr/>
+        </p:nvPicPr>
+        <p:blipFill rotWithShape="1">
+          <a:blip r:embed="rId7">
+            <a:extLst>
+              <a:ext uri="{28A0092B-C50C-407E-A947-70E740481C1C}">
+                <a14:useLocalDpi xmlns:a14="http://schemas.microsoft.com/office/drawing/2010/main" val="0"/>
+              </a:ext>
+            </a:extLst>
+          </a:blip>
+          <a:srcRect l="878" t="9719" r="1916" b="7676"/>
+          <a:stretch/>
+        </p:blipFill>
+        <p:spPr bwMode="auto">
+          <a:xfrm>
+            <a:off x="3489444" y="2324177"/>
+            <a:ext cx="2752507" cy="1226805"/>
+          </a:xfrm>
+          <a:prstGeom prst="rect">
+            <a:avLst/>
+          </a:prstGeom>
+          <a:noFill/>
+          <a:extLst>
+            <a:ext uri="{909E8E84-426E-40DD-AFC4-6F175D3DCCD1}">
+              <a14:hiddenFill xmlns:a14="http://schemas.microsoft.com/office/drawing/2010/main">
+                <a:solidFill>
+                  <a:srgbClr val="FFFFFF"/>
+                </a:solidFill>
+              </a14:hiddenFill>
+            </a:ext>
+          </a:extLst>
+        </p:spPr>
+      </p:pic>
     </p:spTree>
     <p:extLst>
       <p:ext uri="{BB962C8B-B14F-4D97-AF65-F5344CB8AC3E}">
-        <p14:creationId xmlns:p14="http://schemas.microsoft.com/office/powerpoint/2010/main" val="2029619660"/>
+        <p14:creationId xmlns:p14="http://schemas.microsoft.com/office/powerpoint/2010/main" val="287360826"/>
       </p:ext>
     </p:extLst>
   </p:cSld>

--- a/COVID_Presentation_0104.pptx
+++ b/COVID_Presentation_0104.pptx
@@ -5,7 +5,7 @@
     <p:sldMasterId id="2147483866" r:id="rId1"/>
   </p:sldMasterIdLst>
   <p:notesMasterIdLst>
-    <p:notesMasterId r:id="rId19"/>
+    <p:notesMasterId r:id="rId21"/>
   </p:notesMasterIdLst>
   <p:sldIdLst>
     <p:sldId id="256" r:id="rId2"/>
@@ -17,14 +17,16 @@
     <p:sldId id="266" r:id="rId8"/>
     <p:sldId id="261" r:id="rId9"/>
     <p:sldId id="267" r:id="rId10"/>
-    <p:sldId id="262" r:id="rId11"/>
-    <p:sldId id="263" r:id="rId12"/>
-    <p:sldId id="264" r:id="rId13"/>
-    <p:sldId id="269" r:id="rId14"/>
-    <p:sldId id="268" r:id="rId15"/>
-    <p:sldId id="265" r:id="rId16"/>
-    <p:sldId id="270" r:id="rId17"/>
-    <p:sldId id="271" r:id="rId18"/>
+    <p:sldId id="274" r:id="rId11"/>
+    <p:sldId id="275" r:id="rId12"/>
+    <p:sldId id="262" r:id="rId13"/>
+    <p:sldId id="263" r:id="rId14"/>
+    <p:sldId id="264" r:id="rId15"/>
+    <p:sldId id="269" r:id="rId16"/>
+    <p:sldId id="268" r:id="rId17"/>
+    <p:sldId id="265" r:id="rId18"/>
+    <p:sldId id="270" r:id="rId19"/>
+    <p:sldId id="271" r:id="rId20"/>
   </p:sldIdLst>
   <p:sldSz cx="12192000" cy="6858000"/>
   <p:notesSz cx="6858000" cy="9144000"/>
@@ -635,7 +637,7 @@
           <a:p>
             <a:fld id="{7524B07B-C2F8-144C-8463-C36F543A4403}" type="slidenum">
               <a:rPr lang="en-US" smtClean="0"/>
-              <a:t>11</a:t>
+              <a:t>13</a:t>
             </a:fld>
             <a:endParaRPr lang="en-US"/>
           </a:p>
@@ -722,7 +724,7 @@
           <a:p>
             <a:fld id="{7524B07B-C2F8-144C-8463-C36F543A4403}" type="slidenum">
               <a:rPr lang="en-US" smtClean="0"/>
-              <a:t>12</a:t>
+              <a:t>14</a:t>
             </a:fld>
             <a:endParaRPr lang="en-US"/>
           </a:p>
@@ -809,7 +811,7 @@
           <a:p>
             <a:fld id="{7524B07B-C2F8-144C-8463-C36F543A4403}" type="slidenum">
               <a:rPr lang="en-US" smtClean="0"/>
-              <a:t>14</a:t>
+              <a:t>16</a:t>
             </a:fld>
             <a:endParaRPr lang="en-US"/>
           </a:p>
@@ -896,7 +898,7 @@
           <a:p>
             <a:fld id="{7524B07B-C2F8-144C-8463-C36F543A4403}" type="slidenum">
               <a:rPr lang="en-US" smtClean="0"/>
-              <a:t>15</a:t>
+              <a:t>17</a:t>
             </a:fld>
             <a:endParaRPr lang="en-US"/>
           </a:p>
@@ -983,7 +985,7 @@
           <a:p>
             <a:fld id="{7524B07B-C2F8-144C-8463-C36F543A4403}" type="slidenum">
               <a:rPr lang="en-US" smtClean="0"/>
-              <a:t>16</a:t>
+              <a:t>18</a:t>
             </a:fld>
             <a:endParaRPr lang="en-US"/>
           </a:p>
@@ -1679,7 +1681,7 @@
           <a:p>
             <a:fld id="{7524B07B-C2F8-144C-8463-C36F543A4403}" type="slidenum">
               <a:rPr lang="en-US" smtClean="0"/>
-              <a:t>10</a:t>
+              <a:t>12</a:t>
             </a:fld>
             <a:endParaRPr lang="en-US"/>
           </a:p>
@@ -5857,7 +5859,7 @@
           <p:cNvPr id="2" name="Title 1">
             <a:extLst>
               <a:ext uri="{FF2B5EF4-FFF2-40B4-BE49-F238E27FC236}">
-                <a16:creationId xmlns:a16="http://schemas.microsoft.com/office/drawing/2014/main" id="{6CFEE6C2-5D43-8E4F-A774-8CA5D3465844}"/>
+                <a16:creationId xmlns:a16="http://schemas.microsoft.com/office/drawing/2014/main" id="{AC7FAF25-68E6-3F44-8447-D79ACC3CF19A}"/>
               </a:ext>
             </a:extLst>
           </p:cNvPr>
@@ -5868,59 +5870,56 @@
             <p:ph type="title"/>
           </p:nvPr>
         </p:nvSpPr>
-        <p:spPr/>
+        <p:spPr>
+          <a:xfrm>
+            <a:off x="1371600" y="685800"/>
+            <a:ext cx="10280822" cy="1485900"/>
+          </a:xfrm>
+        </p:spPr>
         <p:txBody>
           <a:bodyPr/>
           <a:lstStyle/>
           <a:p>
             <a:r>
               <a:rPr lang="en-US" dirty="0"/>
-              <a:t>Analysis: COVID v. Population Density</a:t>
-            </a:r>
-          </a:p>
-        </p:txBody>
-      </p:sp>
-      <p:sp>
-        <p:nvSpPr>
-          <p:cNvPr id="3" name="Content Placeholder 2">
+              <a:t>Analysis: Median Income v Positive Cases</a:t>
+            </a:r>
+          </a:p>
+        </p:txBody>
+      </p:sp>
+      <p:pic>
+        <p:nvPicPr>
+          <p:cNvPr id="5" name="Content Placeholder 4" descr="Chart, line chart, histogram&#10;&#10;Description automatically generated">
             <a:extLst>
               <a:ext uri="{FF2B5EF4-FFF2-40B4-BE49-F238E27FC236}">
-                <a16:creationId xmlns:a16="http://schemas.microsoft.com/office/drawing/2014/main" id="{8DADBB57-1C30-C348-84D1-5BEEBAE2A809}"/>
+                <a16:creationId xmlns:a16="http://schemas.microsoft.com/office/drawing/2014/main" id="{BD479ADE-6E09-7044-A59D-7C8BB2A3D5BB}"/>
               </a:ext>
             </a:extLst>
           </p:cNvPr>
-          <p:cNvSpPr>
-            <a:spLocks noGrp="1"/>
-          </p:cNvSpPr>
+          <p:cNvPicPr>
+            <a:picLocks noGrp="1" noChangeAspect="1"/>
+          </p:cNvPicPr>
           <p:nvPr>
             <p:ph idx="1"/>
           </p:nvPr>
-        </p:nvSpPr>
-        <p:spPr/>
-        <p:txBody>
-          <a:bodyPr/>
-          <a:lstStyle/>
-          <a:p>
-            <a:r>
-              <a:rPr lang="en-US" dirty="0"/>
-              <a:t>&lt;&lt;chart of COVID Cases v Population Density per state (Scatter plot?)&gt;&gt;</a:t>
-            </a:r>
-          </a:p>
-          <a:p>
-            <a:r>
-              <a:rPr lang="en-US" dirty="0"/>
-              <a:t>Incl. linear regression &amp; R value to measure relationship </a:t>
-            </a:r>
-          </a:p>
-          <a:p>
-            <a:endParaRPr lang="en-US" dirty="0"/>
-          </a:p>
-        </p:txBody>
-      </p:sp>
+        </p:nvPicPr>
+        <p:blipFill>
+          <a:blip r:embed="rId2"/>
+          <a:stretch>
+            <a:fillRect/>
+          </a:stretch>
+        </p:blipFill>
+        <p:spPr>
+          <a:xfrm>
+            <a:off x="2188721" y="1428750"/>
+            <a:ext cx="8920003" cy="5355447"/>
+          </a:xfrm>
+        </p:spPr>
+      </p:pic>
     </p:spTree>
     <p:extLst>
       <p:ext uri="{BB962C8B-B14F-4D97-AF65-F5344CB8AC3E}">
-        <p14:creationId xmlns:p14="http://schemas.microsoft.com/office/powerpoint/2010/main" val="371892736"/>
+        <p14:creationId xmlns:p14="http://schemas.microsoft.com/office/powerpoint/2010/main" val="3716860684"/>
       </p:ext>
     </p:extLst>
   </p:cSld>
@@ -5952,7 +5951,7 @@
           <p:cNvPr id="2" name="Title 1">
             <a:extLst>
               <a:ext uri="{FF2B5EF4-FFF2-40B4-BE49-F238E27FC236}">
-                <a16:creationId xmlns:a16="http://schemas.microsoft.com/office/drawing/2014/main" id="{6CFEE6C2-5D43-8E4F-A774-8CA5D3465844}"/>
+                <a16:creationId xmlns:a16="http://schemas.microsoft.com/office/drawing/2014/main" id="{669D296C-49D2-CF44-95D0-ADFED501A73A}"/>
               </a:ext>
             </a:extLst>
           </p:cNvPr>
@@ -5963,56 +5962,56 @@
             <p:ph type="title"/>
           </p:nvPr>
         </p:nvSpPr>
-        <p:spPr/>
+        <p:spPr>
+          <a:xfrm>
+            <a:off x="1371600" y="685800"/>
+            <a:ext cx="9601200" cy="945292"/>
+          </a:xfrm>
+        </p:spPr>
         <p:txBody>
           <a:bodyPr/>
           <a:lstStyle/>
           <a:p>
             <a:r>
               <a:rPr lang="en-US" dirty="0"/>
-              <a:t>Analysis: COVID v. Median Income</a:t>
-            </a:r>
-          </a:p>
-        </p:txBody>
-      </p:sp>
-      <p:sp>
-        <p:nvSpPr>
-          <p:cNvPr id="3" name="Content Placeholder 2">
+              <a:t>Analysis: Positive Cases v. Recoveries</a:t>
+            </a:r>
+          </a:p>
+        </p:txBody>
+      </p:sp>
+      <p:pic>
+        <p:nvPicPr>
+          <p:cNvPr id="5" name="Content Placeholder 4" descr="Chart, bar chart&#10;&#10;Description automatically generated">
             <a:extLst>
               <a:ext uri="{FF2B5EF4-FFF2-40B4-BE49-F238E27FC236}">
-                <a16:creationId xmlns:a16="http://schemas.microsoft.com/office/drawing/2014/main" id="{8DADBB57-1C30-C348-84D1-5BEEBAE2A809}"/>
+                <a16:creationId xmlns:a16="http://schemas.microsoft.com/office/drawing/2014/main" id="{DD9F982D-CDE2-AE44-81C7-653D16E7397F}"/>
               </a:ext>
             </a:extLst>
           </p:cNvPr>
-          <p:cNvSpPr>
-            <a:spLocks noGrp="1"/>
-          </p:cNvSpPr>
+          <p:cNvPicPr>
+            <a:picLocks noGrp="1" noChangeAspect="1"/>
+          </p:cNvPicPr>
           <p:nvPr>
             <p:ph idx="1"/>
           </p:nvPr>
-        </p:nvSpPr>
-        <p:spPr/>
-        <p:txBody>
-          <a:bodyPr/>
-          <a:lstStyle/>
-          <a:p>
-            <a:r>
-              <a:rPr lang="en-US" dirty="0"/>
-              <a:t>&lt;&lt;chart of COVID Cases v Median Income per state (Scatter plot?)&gt;&gt;</a:t>
-            </a:r>
-          </a:p>
-          <a:p>
-            <a:r>
-              <a:rPr lang="en-US" dirty="0"/>
-              <a:t>Incl. linear regression &amp; R value to measure relationship </a:t>
-            </a:r>
-          </a:p>
-        </p:txBody>
-      </p:sp>
+        </p:nvPicPr>
+        <p:blipFill>
+          <a:blip r:embed="rId2"/>
+          <a:stretch>
+            <a:fillRect/>
+          </a:stretch>
+        </p:blipFill>
+        <p:spPr>
+          <a:xfrm>
+            <a:off x="2102240" y="1433384"/>
+            <a:ext cx="8870560" cy="5325761"/>
+          </a:xfrm>
+        </p:spPr>
+      </p:pic>
     </p:spTree>
     <p:extLst>
       <p:ext uri="{BB962C8B-B14F-4D97-AF65-F5344CB8AC3E}">
-        <p14:creationId xmlns:p14="http://schemas.microsoft.com/office/powerpoint/2010/main" val="3166980390"/>
+        <p14:creationId xmlns:p14="http://schemas.microsoft.com/office/powerpoint/2010/main" val="2441365866"/>
       </p:ext>
     </p:extLst>
   </p:cSld>
@@ -6062,25 +6061,85 @@
           <a:p>
             <a:r>
               <a:rPr lang="en-US" dirty="0"/>
-              <a:t>Analysis: COVID v. Median Age</a:t>
-            </a:r>
-          </a:p>
-        </p:txBody>
-      </p:sp>
-      <p:sp>
-        <p:nvSpPr>
-          <p:cNvPr id="3" name="Content Placeholder 2">
+              <a:t>Analysis: COVID v. Population Density</a:t>
+            </a:r>
+          </a:p>
+        </p:txBody>
+      </p:sp>
+      <p:pic>
+        <p:nvPicPr>
+          <p:cNvPr id="5" name="Picture 4" descr="Chart, scatter chart&#10;&#10;Description automatically generated">
             <a:extLst>
               <a:ext uri="{FF2B5EF4-FFF2-40B4-BE49-F238E27FC236}">
-                <a16:creationId xmlns:a16="http://schemas.microsoft.com/office/drawing/2014/main" id="{8DADBB57-1C30-C348-84D1-5BEEBAE2A809}"/>
+                <a16:creationId xmlns:a16="http://schemas.microsoft.com/office/drawing/2014/main" id="{174EAE9D-C97D-9440-B19A-BA6BBECDCE88}"/>
               </a:ext>
             </a:extLst>
           </p:cNvPr>
-          <p:cNvSpPr>
-            <a:spLocks noGrp="1"/>
-          </p:cNvSpPr>
-          <p:nvPr>
-            <p:ph idx="1"/>
+          <p:cNvPicPr>
+            <a:picLocks noChangeAspect="1"/>
+          </p:cNvPicPr>
+          <p:nvPr/>
+        </p:nvPicPr>
+        <p:blipFill>
+          <a:blip r:embed="rId3"/>
+          <a:stretch>
+            <a:fillRect/>
+          </a:stretch>
+        </p:blipFill>
+        <p:spPr>
+          <a:xfrm>
+            <a:off x="3251200" y="1790700"/>
+            <a:ext cx="5842000" cy="4381500"/>
+          </a:xfrm>
+          <a:prstGeom prst="rect">
+            <a:avLst/>
+          </a:prstGeom>
+        </p:spPr>
+      </p:pic>
+    </p:spTree>
+    <p:extLst>
+      <p:ext uri="{BB962C8B-B14F-4D97-AF65-F5344CB8AC3E}">
+        <p14:creationId xmlns:p14="http://schemas.microsoft.com/office/powerpoint/2010/main" val="371892736"/>
+      </p:ext>
+    </p:extLst>
+  </p:cSld>
+  <p:clrMapOvr>
+    <a:masterClrMapping/>
+  </p:clrMapOvr>
+</p:sld>
+</file>
+
+<file path=ppt/slides/slide13.xml><?xml version="1.0" encoding="utf-8"?>
+<p:sld xmlns:a="http://schemas.openxmlformats.org/drawingml/2006/main" xmlns:r="http://schemas.openxmlformats.org/officeDocument/2006/relationships" xmlns:p="http://schemas.openxmlformats.org/presentationml/2006/main">
+  <p:cSld>
+    <p:spTree>
+      <p:nvGrpSpPr>
+        <p:cNvPr id="1" name=""/>
+        <p:cNvGrpSpPr/>
+        <p:nvPr/>
+      </p:nvGrpSpPr>
+      <p:grpSpPr>
+        <a:xfrm>
+          <a:off x="0" y="0"/>
+          <a:ext cx="0" cy="0"/>
+          <a:chOff x="0" y="0"/>
+          <a:chExt cx="0" cy="0"/>
+        </a:xfrm>
+      </p:grpSpPr>
+      <p:sp>
+        <p:nvSpPr>
+          <p:cNvPr id="2" name="Title 1">
+            <a:extLst>
+              <a:ext uri="{FF2B5EF4-FFF2-40B4-BE49-F238E27FC236}">
+                <a16:creationId xmlns:a16="http://schemas.microsoft.com/office/drawing/2014/main" id="{6CFEE6C2-5D43-8E4F-A774-8CA5D3465844}"/>
+              </a:ext>
+            </a:extLst>
+          </p:cNvPr>
+          <p:cNvSpPr>
+            <a:spLocks noGrp="1"/>
+          </p:cNvSpPr>
+          <p:nvPr>
+            <p:ph type="title"/>
           </p:nvPr>
         </p:nvSpPr>
         <p:spPr/>
@@ -6090,20 +6149,128 @@
           <a:p>
             <a:r>
               <a:rPr lang="en-US" dirty="0"/>
-              <a:t>&lt;&lt;chart of COVID Cases v Median Age per state (Scatter plot?)&gt;&gt;</a:t>
-            </a:r>
-          </a:p>
+              <a:t>Analysis: COVID v. Median Income</a:t>
+            </a:r>
+          </a:p>
+        </p:txBody>
+      </p:sp>
+      <p:pic>
+        <p:nvPicPr>
+          <p:cNvPr id="5" name="Picture 4" descr="Chart, scatter chart&#10;&#10;Description automatically generated">
+            <a:extLst>
+              <a:ext uri="{FF2B5EF4-FFF2-40B4-BE49-F238E27FC236}">
+                <a16:creationId xmlns:a16="http://schemas.microsoft.com/office/drawing/2014/main" id="{ABB6B7FC-568B-7149-AECB-4C282F29032F}"/>
+              </a:ext>
+            </a:extLst>
+          </p:cNvPr>
+          <p:cNvPicPr>
+            <a:picLocks noChangeAspect="1"/>
+          </p:cNvPicPr>
+          <p:nvPr/>
+        </p:nvPicPr>
+        <p:blipFill>
+          <a:blip r:embed="rId3"/>
+          <a:stretch>
+            <a:fillRect/>
+          </a:stretch>
+        </p:blipFill>
+        <p:spPr>
+          <a:xfrm>
+            <a:off x="3251200" y="1658379"/>
+            <a:ext cx="5842000" cy="4381500"/>
+          </a:xfrm>
+          <a:prstGeom prst="rect">
+            <a:avLst/>
+          </a:prstGeom>
+        </p:spPr>
+      </p:pic>
+    </p:spTree>
+    <p:extLst>
+      <p:ext uri="{BB962C8B-B14F-4D97-AF65-F5344CB8AC3E}">
+        <p14:creationId xmlns:p14="http://schemas.microsoft.com/office/powerpoint/2010/main" val="3166980390"/>
+      </p:ext>
+    </p:extLst>
+  </p:cSld>
+  <p:clrMapOvr>
+    <a:masterClrMapping/>
+  </p:clrMapOvr>
+</p:sld>
+</file>
+
+<file path=ppt/slides/slide14.xml><?xml version="1.0" encoding="utf-8"?>
+<p:sld xmlns:a="http://schemas.openxmlformats.org/drawingml/2006/main" xmlns:r="http://schemas.openxmlformats.org/officeDocument/2006/relationships" xmlns:p="http://schemas.openxmlformats.org/presentationml/2006/main">
+  <p:cSld>
+    <p:spTree>
+      <p:nvGrpSpPr>
+        <p:cNvPr id="1" name=""/>
+        <p:cNvGrpSpPr/>
+        <p:nvPr/>
+      </p:nvGrpSpPr>
+      <p:grpSpPr>
+        <a:xfrm>
+          <a:off x="0" y="0"/>
+          <a:ext cx="0" cy="0"/>
+          <a:chOff x="0" y="0"/>
+          <a:chExt cx="0" cy="0"/>
+        </a:xfrm>
+      </p:grpSpPr>
+      <p:sp>
+        <p:nvSpPr>
+          <p:cNvPr id="2" name="Title 1">
+            <a:extLst>
+              <a:ext uri="{FF2B5EF4-FFF2-40B4-BE49-F238E27FC236}">
+                <a16:creationId xmlns:a16="http://schemas.microsoft.com/office/drawing/2014/main" id="{6CFEE6C2-5D43-8E4F-A774-8CA5D3465844}"/>
+              </a:ext>
+            </a:extLst>
+          </p:cNvPr>
+          <p:cNvSpPr>
+            <a:spLocks noGrp="1"/>
+          </p:cNvSpPr>
+          <p:nvPr>
+            <p:ph type="title"/>
+          </p:nvPr>
+        </p:nvSpPr>
+        <p:spPr/>
+        <p:txBody>
+          <a:bodyPr/>
+          <a:lstStyle/>
           <a:p>
             <a:r>
               <a:rPr lang="en-US" dirty="0"/>
-              <a:t>Incl. linear regression &amp; R value to measure relationship </a:t>
-            </a:r>
-          </a:p>
-          <a:p>
-            <a:endParaRPr lang="en-US" b="1" dirty="0"/>
-          </a:p>
-        </p:txBody>
-      </p:sp>
+              <a:t>Analysis: COVID v. Median Age</a:t>
+            </a:r>
+          </a:p>
+        </p:txBody>
+      </p:sp>
+      <p:pic>
+        <p:nvPicPr>
+          <p:cNvPr id="7" name="Content Placeholder 6" descr="Chart, scatter chart&#10;&#10;Description automatically generated">
+            <a:extLst>
+              <a:ext uri="{FF2B5EF4-FFF2-40B4-BE49-F238E27FC236}">
+                <a16:creationId xmlns:a16="http://schemas.microsoft.com/office/drawing/2014/main" id="{782DF350-CA5D-C94D-B61B-A30635195707}"/>
+              </a:ext>
+            </a:extLst>
+          </p:cNvPr>
+          <p:cNvPicPr>
+            <a:picLocks noGrp="1" noChangeAspect="1"/>
+          </p:cNvPicPr>
+          <p:nvPr>
+            <p:ph idx="1"/>
+          </p:nvPr>
+        </p:nvPicPr>
+        <p:blipFill>
+          <a:blip r:embed="rId3"/>
+          <a:stretch>
+            <a:fillRect/>
+          </a:stretch>
+        </p:blipFill>
+        <p:spPr>
+          <a:xfrm>
+            <a:off x="3211384" y="1845276"/>
+            <a:ext cx="5769232" cy="4326924"/>
+          </a:xfrm>
+        </p:spPr>
+      </p:pic>
     </p:spTree>
     <p:extLst>
       <p:ext uri="{BB962C8B-B14F-4D97-AF65-F5344CB8AC3E}">
@@ -6117,7 +6284,7 @@
 </p:sld>
 </file>
 
-<file path=ppt/slides/slide13.xml><?xml version="1.0" encoding="utf-8"?>
+<file path=ppt/slides/slide15.xml><?xml version="1.0" encoding="utf-8"?>
 <p:sld xmlns:a="http://schemas.openxmlformats.org/drawingml/2006/main" xmlns:r="http://schemas.openxmlformats.org/officeDocument/2006/relationships" xmlns:p="http://schemas.openxmlformats.org/presentationml/2006/main">
   <p:cSld>
     <p:bg>
@@ -6675,7 +6842,7 @@
 </p:sld>
 </file>
 
-<file path=ppt/slides/slide14.xml><?xml version="1.0" encoding="utf-8"?>
+<file path=ppt/slides/slide16.xml><?xml version="1.0" encoding="utf-8"?>
 <p:sld xmlns:a="http://schemas.openxmlformats.org/drawingml/2006/main" xmlns:r="http://schemas.openxmlformats.org/officeDocument/2006/relationships" xmlns:p="http://schemas.openxmlformats.org/presentationml/2006/main">
   <p:cSld>
     <p:bg>
@@ -7241,7 +7408,7 @@
 </p:sld>
 </file>
 
-<file path=ppt/slides/slide15.xml><?xml version="1.0" encoding="utf-8"?>
+<file path=ppt/slides/slide17.xml><?xml version="1.0" encoding="utf-8"?>
 <p:sld xmlns:a="http://schemas.openxmlformats.org/drawingml/2006/main" xmlns:r="http://schemas.openxmlformats.org/officeDocument/2006/relationships" xmlns:p="http://schemas.openxmlformats.org/presentationml/2006/main">
   <p:cSld>
     <p:bg>
@@ -7594,7 +7761,7 @@
 </p:sld>
 </file>
 
-<file path=ppt/slides/slide16.xml><?xml version="1.0" encoding="utf-8"?>
+<file path=ppt/slides/slide18.xml><?xml version="1.0" encoding="utf-8"?>
 <p:sld xmlns:a="http://schemas.openxmlformats.org/drawingml/2006/main" xmlns:r="http://schemas.openxmlformats.org/officeDocument/2006/relationships" xmlns:p="http://schemas.openxmlformats.org/presentationml/2006/main">
   <p:cSld>
     <p:bg>
@@ -8021,7 +8188,7 @@
 </p:sld>
 </file>
 
-<file path=ppt/slides/slide17.xml><?xml version="1.0" encoding="utf-8"?>
+<file path=ppt/slides/slide19.xml><?xml version="1.0" encoding="utf-8"?>
 <p:sld xmlns:a="http://schemas.openxmlformats.org/drawingml/2006/main" xmlns:r="http://schemas.openxmlformats.org/officeDocument/2006/relationships" xmlns:p="http://schemas.openxmlformats.org/presentationml/2006/main">
   <p:cSld>
     <p:bg>
@@ -10587,34 +10754,36 @@
           </a:p>
         </p:txBody>
       </p:sp>
-      <p:sp>
-        <p:nvSpPr>
-          <p:cNvPr id="3" name="Content Placeholder 2">
+      <p:pic>
+        <p:nvPicPr>
+          <p:cNvPr id="9" name="Picture 8" descr="A picture containing graphical user interface&#10;&#10;Description automatically generated">
             <a:extLst>
               <a:ext uri="{FF2B5EF4-FFF2-40B4-BE49-F238E27FC236}">
-                <a16:creationId xmlns:a16="http://schemas.microsoft.com/office/drawing/2014/main" id="{0A959A0A-9C60-BC4F-AABA-17AB0D3F349D}"/>
+                <a16:creationId xmlns:a16="http://schemas.microsoft.com/office/drawing/2014/main" id="{8CACFB18-7338-E647-A03A-AE7EB3D9C357}"/>
               </a:ext>
             </a:extLst>
           </p:cNvPr>
-          <p:cNvSpPr>
-            <a:spLocks noGrp="1"/>
-          </p:cNvSpPr>
-          <p:nvPr>
-            <p:ph idx="1"/>
-          </p:nvPr>
-        </p:nvSpPr>
-        <p:spPr/>
-        <p:txBody>
-          <a:bodyPr/>
-          <a:lstStyle/>
-          <a:p>
-            <a:r>
-              <a:rPr lang="en-US" dirty="0"/>
-              <a:t>&lt;&lt;insert image of US COVID heatmap&gt;&gt;</a:t>
-            </a:r>
-          </a:p>
-        </p:txBody>
-      </p:sp>
+          <p:cNvPicPr>
+            <a:picLocks noChangeAspect="1"/>
+          </p:cNvPicPr>
+          <p:nvPr/>
+        </p:nvPicPr>
+        <p:blipFill>
+          <a:blip r:embed="rId3"/>
+          <a:stretch>
+            <a:fillRect/>
+          </a:stretch>
+        </p:blipFill>
+        <p:spPr>
+          <a:xfrm>
+            <a:off x="1903627" y="1957516"/>
+            <a:ext cx="9398000" cy="3733800"/>
+          </a:xfrm>
+          <a:prstGeom prst="rect">
+            <a:avLst/>
+          </a:prstGeom>
+        </p:spPr>
+      </p:pic>
     </p:spTree>
     <p:extLst>
       <p:ext uri="{BB962C8B-B14F-4D97-AF65-F5344CB8AC3E}">
@@ -10674,40 +10843,35 @@
           </a:p>
         </p:txBody>
       </p:sp>
-      <p:sp>
-        <p:nvSpPr>
-          <p:cNvPr id="3" name="Content Placeholder 2">
+      <p:pic>
+        <p:nvPicPr>
+          <p:cNvPr id="9" name="Picture 8" descr="Chart, pie chart&#10;&#10;Description automatically generated">
             <a:extLst>
               <a:ext uri="{FF2B5EF4-FFF2-40B4-BE49-F238E27FC236}">
-                <a16:creationId xmlns:a16="http://schemas.microsoft.com/office/drawing/2014/main" id="{613F3F1D-CC11-9042-99E7-08F4E275582F}"/>
+                <a16:creationId xmlns:a16="http://schemas.microsoft.com/office/drawing/2014/main" id="{1B49B0D8-7DF3-1B48-B69E-BB462ED91AF1}"/>
               </a:ext>
             </a:extLst>
           </p:cNvPr>
-          <p:cNvSpPr>
-            <a:spLocks noGrp="1"/>
-          </p:cNvSpPr>
-          <p:nvPr>
-            <p:ph idx="1"/>
-          </p:nvPr>
-        </p:nvSpPr>
-        <p:spPr/>
-        <p:txBody>
-          <a:bodyPr/>
-          <a:lstStyle/>
-          <a:p>
-            <a:r>
-              <a:rPr lang="en-US" dirty="0"/>
-              <a:t>&lt;&lt; Pie chart of Cases per State&gt;&gt; </a:t>
-            </a:r>
-          </a:p>
-          <a:p>
-            <a:r>
-              <a:rPr lang="en-US" dirty="0"/>
-              <a:t>X state has had most cases; Y state has had least cases </a:t>
-            </a:r>
-          </a:p>
-        </p:txBody>
-      </p:sp>
+          <p:cNvPicPr>
+            <a:picLocks noChangeAspect="1"/>
+          </p:cNvPicPr>
+          <p:nvPr/>
+        </p:nvPicPr>
+        <p:blipFill rotWithShape="1">
+          <a:blip r:embed="rId3"/>
+          <a:srcRect l="23352" r="20504"/>
+          <a:stretch/>
+        </p:blipFill>
+        <p:spPr>
+          <a:xfrm>
+            <a:off x="3729681" y="1525237"/>
+            <a:ext cx="4732638" cy="5060913"/>
+          </a:xfrm>
+          <a:prstGeom prst="rect">
+            <a:avLst/>
+          </a:prstGeom>
+        </p:spPr>
+      </p:pic>
     </p:spTree>
     <p:extLst>
       <p:ext uri="{BB962C8B-B14F-4D97-AF65-F5344CB8AC3E}">
